--- a/Simerpreet_Reddy_Unit_8_Assignment.pptx
+++ b/Simerpreet_Reddy_Unit_8_Assignment.pptx
@@ -3272,8 +3272,8 @@
         </p:nvSpPr>
         <p:spPr>
           <a:xfrm>
-            <a:off x="1653309" y="2089788"/>
-            <a:ext cx="5661891" cy="1569660"/>
+            <a:off x="960582" y="1564458"/>
+            <a:ext cx="7222836" cy="1323439"/>
           </a:xfrm>
           <a:prstGeom prst="rect">
             <a:avLst/>
@@ -3287,8 +3287,8 @@
           <a:p>
             <a:pPr algn="ctr"/>
             <a:r>
-              <a:rPr lang="en-US" sz="4800" dirty="0"/>
-              <a:t>Analytics on beer’s ABV &amp; IBU </a:t>
+              <a:rPr lang="en-US" sz="4000" dirty="0"/>
+              <a:t>Advanced Analytics on Budweiser data</a:t>
             </a:r>
           </a:p>
         </p:txBody>
@@ -3309,7 +3309,7 @@
         </p:nvSpPr>
         <p:spPr>
           <a:xfrm>
-            <a:off x="2660072" y="5193430"/>
+            <a:off x="1951155" y="4860702"/>
             <a:ext cx="4969163" cy="1625591"/>
           </a:xfrm>
           <a:prstGeom prst="rect">
@@ -3459,12 +3459,30 @@
             <a:endParaRPr lang="en-US" dirty="0"/>
           </a:p>
           <a:p>
-            <a:pPr marL="0" indent="0">
+            <a:pPr marL="0" indent="0" algn="ctr">
               <a:buNone/>
             </a:pPr>
             <a:r>
-              <a:rPr lang="en-US" dirty="0"/>
+              <a:rPr lang="en-US" sz="1800" dirty="0"/>
+              <a:t>SMU DDS: Case Study 1</a:t>
+            </a:r>
+          </a:p>
+          <a:p>
+            <a:pPr marL="0" indent="0" algn="ctr">
+              <a:buNone/>
+            </a:pPr>
+            <a:r>
+              <a:rPr lang="en-US" sz="1800" dirty="0"/>
               <a:t>By: Simerpreet Reddy</a:t>
+            </a:r>
+          </a:p>
+          <a:p>
+            <a:pPr marL="0" indent="0" algn="ctr">
+              <a:buNone/>
+            </a:pPr>
+            <a:r>
+              <a:rPr lang="en-US" sz="1800" dirty="0"/>
+              <a:t>Date: 01/22/2020</a:t>
             </a:r>
           </a:p>
         </p:txBody>
@@ -5844,17 +5862,17 @@
           <a:p>
             <a:r>
               <a:rPr lang="en-US" sz="2000" dirty="0"/>
-              <a:t>~92% Accuracy for k=3</a:t>
+              <a:t>~92% Accuracy for k=5</a:t>
             </a:r>
           </a:p>
         </p:txBody>
       </p:sp>
       <p:pic>
         <p:nvPicPr>
-          <p:cNvPr id="2" name="Picture 1">
-            <a:extLst>
-              <a:ext uri="{FF2B5EF4-FFF2-40B4-BE49-F238E27FC236}">
-                <a16:creationId xmlns:a16="http://schemas.microsoft.com/office/drawing/2014/main" id="{2D3EF305-CF35-445C-B0C5-AB7A241C6DF3}"/>
+          <p:cNvPr id="5" name="Picture 4">
+            <a:extLst>
+              <a:ext uri="{FF2B5EF4-FFF2-40B4-BE49-F238E27FC236}">
+                <a16:creationId xmlns:a16="http://schemas.microsoft.com/office/drawing/2014/main" id="{40C4467B-0BF3-413F-8D72-137F7F2E1F28}"/>
               </a:ext>
             </a:extLst>
           </p:cNvPr>
@@ -5871,8 +5889,8 @@
         </p:blipFill>
         <p:spPr>
           <a:xfrm>
-            <a:off x="618836" y="1163783"/>
-            <a:ext cx="7269020" cy="5102480"/>
+            <a:off x="7148945" y="6266262"/>
+            <a:ext cx="1921164" cy="485521"/>
           </a:xfrm>
           <a:prstGeom prst="rect">
             <a:avLst/>
@@ -5881,10 +5899,10 @@
       </p:pic>
       <p:pic>
         <p:nvPicPr>
-          <p:cNvPr id="5" name="Picture 4">
-            <a:extLst>
-              <a:ext uri="{FF2B5EF4-FFF2-40B4-BE49-F238E27FC236}">
-                <a16:creationId xmlns:a16="http://schemas.microsoft.com/office/drawing/2014/main" id="{40C4467B-0BF3-413F-8D72-137F7F2E1F28}"/>
+          <p:cNvPr id="6" name="Picture 5">
+            <a:extLst>
+              <a:ext uri="{FF2B5EF4-FFF2-40B4-BE49-F238E27FC236}">
+                <a16:creationId xmlns:a16="http://schemas.microsoft.com/office/drawing/2014/main" id="{91F23813-9407-44FB-A0B4-7A022263C225}"/>
               </a:ext>
             </a:extLst>
           </p:cNvPr>
@@ -5901,8 +5919,8 @@
         </p:blipFill>
         <p:spPr>
           <a:xfrm>
-            <a:off x="7148945" y="6266262"/>
-            <a:ext cx="1921164" cy="485521"/>
+            <a:off x="923636" y="1163782"/>
+            <a:ext cx="6688797" cy="5102480"/>
           </a:xfrm>
           <a:prstGeom prst="rect">
             <a:avLst/>
@@ -6211,7 +6229,7 @@
             </a:pPr>
             <a:r>
               <a:rPr lang="en-US" sz="2000" dirty="0"/>
-              <a:t>Among all IPA and Other Ales, 82 Beers seem to have been miscategorized</a:t>
+              <a:t>Among all IPA and Other Ales, 119 Beers seem to have been miscategorized</a:t>
             </a:r>
           </a:p>
           <a:p>
@@ -6225,7 +6243,7 @@
             </a:pPr>
             <a:r>
               <a:rPr lang="en-US" sz="2000" dirty="0"/>
-              <a:t>51 miscategorized as IPA</a:t>
+              <a:t>68 miscategorized as IPA</a:t>
             </a:r>
           </a:p>
           <a:p>
@@ -6235,7 +6253,7 @@
             </a:pPr>
             <a:r>
               <a:rPr lang="en-US" sz="2000" dirty="0"/>
-              <a:t>31 miscategorized as Other Ales</a:t>
+              <a:t>51 miscategorized as Other Ales</a:t>
             </a:r>
           </a:p>
           <a:p>
@@ -6563,7 +6581,7 @@
             <a:pPr algn="l"/>
             <a:r>
               <a:rPr lang="en-US" sz="2000" dirty="0"/>
-              <a:t>82 beers are candidates for re-classification for Beer Style based on their Alcohol content and bitterness levels. </a:t>
+              <a:t>119 beers are candidates for re-classification for Beer Style based on their Alcohol content and bitterness levels. </a:t>
             </a:r>
           </a:p>
           <a:p>

--- a/Simerpreet_Reddy_Unit_8_Assignment.pptx
+++ b/Simerpreet_Reddy_Unit_8_Assignment.pptx
@@ -268,7 +268,7 @@
           <a:p>
             <a:fld id="{8D6A5B82-772D-429E-808E-66DD5DDC7179}" type="datetimeFigureOut">
               <a:rPr lang="en-US" smtClean="0"/>
-              <a:t>1/16/2020</a:t>
+              <a:t>1/23/2020</a:t>
             </a:fld>
             <a:endParaRPr lang="en-US"/>
           </a:p>
@@ -5522,10 +5522,10 @@
       </p:sp>
       <p:pic>
         <p:nvPicPr>
-          <p:cNvPr id="4" name="Picture 3">
-            <a:extLst>
-              <a:ext uri="{FF2B5EF4-FFF2-40B4-BE49-F238E27FC236}">
-                <a16:creationId xmlns:a16="http://schemas.microsoft.com/office/drawing/2014/main" id="{F79094E3-BED8-4523-BE89-D87FEF254D75}"/>
+          <p:cNvPr id="5" name="Picture 4">
+            <a:extLst>
+              <a:ext uri="{FF2B5EF4-FFF2-40B4-BE49-F238E27FC236}">
+                <a16:creationId xmlns:a16="http://schemas.microsoft.com/office/drawing/2014/main" id="{F4F07665-39CF-478D-A247-2FA86D7E35E2}"/>
               </a:ext>
             </a:extLst>
           </p:cNvPr>
@@ -5542,8 +5542,8 @@
         </p:blipFill>
         <p:spPr>
           <a:xfrm>
-            <a:off x="1413501" y="1052945"/>
-            <a:ext cx="6316998" cy="5495638"/>
+            <a:off x="7222836" y="6268880"/>
+            <a:ext cx="1921164" cy="485521"/>
           </a:xfrm>
           <a:prstGeom prst="rect">
             <a:avLst/>
@@ -5552,10 +5552,10 @@
       </p:pic>
       <p:pic>
         <p:nvPicPr>
-          <p:cNvPr id="5" name="Picture 4">
-            <a:extLst>
-              <a:ext uri="{FF2B5EF4-FFF2-40B4-BE49-F238E27FC236}">
-                <a16:creationId xmlns:a16="http://schemas.microsoft.com/office/drawing/2014/main" id="{F4F07665-39CF-478D-A247-2FA86D7E35E2}"/>
+          <p:cNvPr id="3" name="Picture 2">
+            <a:extLst>
+              <a:ext uri="{FF2B5EF4-FFF2-40B4-BE49-F238E27FC236}">
+                <a16:creationId xmlns:a16="http://schemas.microsoft.com/office/drawing/2014/main" id="{5C10C4E1-1EDA-4A79-A222-4CAA2A32E957}"/>
               </a:ext>
             </a:extLst>
           </p:cNvPr>
@@ -5572,8 +5572,8 @@
         </p:blipFill>
         <p:spPr>
           <a:xfrm>
-            <a:off x="7222836" y="6268880"/>
-            <a:ext cx="1921164" cy="485521"/>
+            <a:off x="377072" y="895546"/>
+            <a:ext cx="8154186" cy="5373334"/>
           </a:xfrm>
           <a:prstGeom prst="rect">
             <a:avLst/>
@@ -5610,36 +5610,6 @@
           <a:chExt cx="0" cy="0"/>
         </a:xfrm>
       </p:grpSpPr>
-      <p:pic>
-        <p:nvPicPr>
-          <p:cNvPr id="3" name="Picture 2">
-            <a:extLst>
-              <a:ext uri="{FF2B5EF4-FFF2-40B4-BE49-F238E27FC236}">
-                <a16:creationId xmlns:a16="http://schemas.microsoft.com/office/drawing/2014/main" id="{7A32CF85-575F-40E7-904C-A47658EAC264}"/>
-              </a:ext>
-            </a:extLst>
-          </p:cNvPr>
-          <p:cNvPicPr>
-            <a:picLocks noChangeAspect="1"/>
-          </p:cNvPicPr>
-          <p:nvPr/>
-        </p:nvPicPr>
-        <p:blipFill>
-          <a:blip r:embed="rId2"/>
-          <a:stretch>
-            <a:fillRect/>
-          </a:stretch>
-        </p:blipFill>
-        <p:spPr>
-          <a:xfrm>
-            <a:off x="1278576" y="942109"/>
-            <a:ext cx="6531429" cy="5398654"/>
-          </a:xfrm>
-          <a:prstGeom prst="rect">
-            <a:avLst/>
-          </a:prstGeom>
-        </p:spPr>
-      </p:pic>
       <p:sp>
         <p:nvSpPr>
           <p:cNvPr id="4" name="Title 1">
@@ -5691,6 +5661,36 @@
           </a:p>
         </p:txBody>
       </p:sp>
+      <p:pic>
+        <p:nvPicPr>
+          <p:cNvPr id="2" name="Picture 1">
+            <a:extLst>
+              <a:ext uri="{FF2B5EF4-FFF2-40B4-BE49-F238E27FC236}">
+                <a16:creationId xmlns:a16="http://schemas.microsoft.com/office/drawing/2014/main" id="{C5F85850-BF55-404E-9CC8-7E5B07B60193}"/>
+              </a:ext>
+            </a:extLst>
+          </p:cNvPr>
+          <p:cNvPicPr>
+            <a:picLocks noChangeAspect="1"/>
+          </p:cNvPicPr>
+          <p:nvPr/>
+        </p:nvPicPr>
+        <p:blipFill>
+          <a:blip r:embed="rId2"/>
+          <a:stretch>
+            <a:fillRect/>
+          </a:stretch>
+        </p:blipFill>
+        <p:spPr>
+          <a:xfrm>
+            <a:off x="497588" y="857839"/>
+            <a:ext cx="8148824" cy="5429840"/>
+          </a:xfrm>
+          <a:prstGeom prst="rect">
+            <a:avLst/>
+          </a:prstGeom>
+        </p:spPr>
+      </p:pic>
     </p:spTree>
     <p:extLst>
       <p:ext uri="{BB962C8B-B14F-4D97-AF65-F5344CB8AC3E}">
@@ -6010,10 +6010,10 @@
       </p:sp>
       <p:pic>
         <p:nvPicPr>
-          <p:cNvPr id="6" name="Picture 5">
-            <a:extLst>
-              <a:ext uri="{FF2B5EF4-FFF2-40B4-BE49-F238E27FC236}">
-                <a16:creationId xmlns:a16="http://schemas.microsoft.com/office/drawing/2014/main" id="{A969E324-A971-4DD7-ADF9-2C1A6142E172}"/>
+          <p:cNvPr id="8" name="Picture 7">
+            <a:extLst>
+              <a:ext uri="{FF2B5EF4-FFF2-40B4-BE49-F238E27FC236}">
+                <a16:creationId xmlns:a16="http://schemas.microsoft.com/office/drawing/2014/main" id="{3D57BD73-146A-44DE-BEB3-D104AD4923D9}"/>
               </a:ext>
             </a:extLst>
           </p:cNvPr>
@@ -6030,8 +6030,8 @@
         </p:blipFill>
         <p:spPr>
           <a:xfrm>
-            <a:off x="0" y="831273"/>
-            <a:ext cx="3901519" cy="5407892"/>
+            <a:off x="7222836" y="6266262"/>
+            <a:ext cx="1921164" cy="485521"/>
           </a:xfrm>
           <a:prstGeom prst="rect">
             <a:avLst/>
@@ -6040,10 +6040,10 @@
       </p:pic>
       <p:pic>
         <p:nvPicPr>
-          <p:cNvPr id="7" name="Picture 6">
-            <a:extLst>
-              <a:ext uri="{FF2B5EF4-FFF2-40B4-BE49-F238E27FC236}">
-                <a16:creationId xmlns:a16="http://schemas.microsoft.com/office/drawing/2014/main" id="{8CD9E39B-02B6-43CA-B2E6-EEC8FAF403CC}"/>
+          <p:cNvPr id="2" name="Picture 1">
+            <a:extLst>
+              <a:ext uri="{FF2B5EF4-FFF2-40B4-BE49-F238E27FC236}">
+                <a16:creationId xmlns:a16="http://schemas.microsoft.com/office/drawing/2014/main" id="{4C490B81-DDA9-4198-AC39-C7C0D5364A97}"/>
               </a:ext>
             </a:extLst>
           </p:cNvPr>
@@ -6060,8 +6060,8 @@
         </p:blipFill>
         <p:spPr>
           <a:xfrm>
-            <a:off x="4244110" y="942108"/>
-            <a:ext cx="4763832" cy="5297057"/>
+            <a:off x="4506012" y="831273"/>
+            <a:ext cx="4407234" cy="5434990"/>
           </a:xfrm>
           <a:prstGeom prst="rect">
             <a:avLst/>
@@ -6070,10 +6070,10 @@
       </p:pic>
       <p:pic>
         <p:nvPicPr>
-          <p:cNvPr id="8" name="Picture 7">
-            <a:extLst>
-              <a:ext uri="{FF2B5EF4-FFF2-40B4-BE49-F238E27FC236}">
-                <a16:creationId xmlns:a16="http://schemas.microsoft.com/office/drawing/2014/main" id="{3D57BD73-146A-44DE-BEB3-D104AD4923D9}"/>
+          <p:cNvPr id="3" name="Picture 2">
+            <a:extLst>
+              <a:ext uri="{FF2B5EF4-FFF2-40B4-BE49-F238E27FC236}">
+                <a16:creationId xmlns:a16="http://schemas.microsoft.com/office/drawing/2014/main" id="{D3E8BB3A-3823-4981-975D-FBEDE266EFF0}"/>
               </a:ext>
             </a:extLst>
           </p:cNvPr>
@@ -6090,8 +6090,8 @@
         </p:blipFill>
         <p:spPr>
           <a:xfrm>
-            <a:off x="7222836" y="6266262"/>
-            <a:ext cx="1921164" cy="485521"/>
+            <a:off x="129311" y="831272"/>
+            <a:ext cx="4282434" cy="5434990"/>
           </a:xfrm>
           <a:prstGeom prst="rect">
             <a:avLst/>
@@ -6144,7 +6144,7 @@
         </p:nvSpPr>
         <p:spPr>
           <a:xfrm>
-            <a:off x="129310" y="420688"/>
+            <a:off x="327272" y="854321"/>
             <a:ext cx="8229600" cy="521421"/>
           </a:xfrm>
           <a:prstGeom prst="rect">
@@ -6173,8 +6173,12 @@
           </a:lstStyle>
           <a:p>
             <a:r>
+              <a:rPr lang="en-US" sz="3600" dirty="0"/>
+              <a:t>Conclusion based on KNN model</a:t>
+            </a:r>
+            <a:r>
               <a:rPr lang="en-US" sz="2000" dirty="0"/>
-              <a:t>Conclusion based on KNN model	</a:t>
+              <a:t>	</a:t>
             </a:r>
           </a:p>
         </p:txBody>
@@ -6372,7 +6376,7 @@
           </a:lstStyle>
           <a:p>
             <a:r>
-              <a:rPr lang="en-US" sz="2000" dirty="0"/>
+              <a:rPr lang="en-US" sz="3600" dirty="0"/>
               <a:t>An example of Beer Category Conflicts </a:t>
             </a:r>
           </a:p>
@@ -6400,8 +6404,8 @@
         </p:blipFill>
         <p:spPr>
           <a:xfrm>
-            <a:off x="1311564" y="1045506"/>
-            <a:ext cx="5865091" cy="5320147"/>
+            <a:off x="1357745" y="1291472"/>
+            <a:ext cx="5865091" cy="4876218"/>
           </a:xfrm>
           <a:prstGeom prst="rect">
             <a:avLst/>

--- a/Simerpreet_Reddy_Unit_8_Assignment.pptx
+++ b/Simerpreet_Reddy_Unit_8_Assignment.pptx
@@ -5,7 +5,7 @@
     <p:sldMasterId id="2147483672" r:id="rId1"/>
   </p:sldMasterIdLst>
   <p:notesMasterIdLst>
-    <p:notesMasterId r:id="rId31"/>
+    <p:notesMasterId r:id="rId32"/>
   </p:notesMasterIdLst>
   <p:sldIdLst>
     <p:sldId id="673" r:id="rId2"/>
@@ -27,16 +27,17 @@
     <p:sldId id="648" r:id="rId18"/>
     <p:sldId id="661" r:id="rId19"/>
     <p:sldId id="649" r:id="rId20"/>
-    <p:sldId id="670" r:id="rId21"/>
-    <p:sldId id="671" r:id="rId22"/>
-    <p:sldId id="677" r:id="rId23"/>
-    <p:sldId id="683" r:id="rId24"/>
-    <p:sldId id="678" r:id="rId25"/>
-    <p:sldId id="679" r:id="rId26"/>
-    <p:sldId id="680" r:id="rId27"/>
-    <p:sldId id="682" r:id="rId28"/>
-    <p:sldId id="681" r:id="rId29"/>
-    <p:sldId id="526" r:id="rId30"/>
+    <p:sldId id="685" r:id="rId21"/>
+    <p:sldId id="670" r:id="rId22"/>
+    <p:sldId id="671" r:id="rId23"/>
+    <p:sldId id="677" r:id="rId24"/>
+    <p:sldId id="683" r:id="rId25"/>
+    <p:sldId id="678" r:id="rId26"/>
+    <p:sldId id="679" r:id="rId27"/>
+    <p:sldId id="680" r:id="rId28"/>
+    <p:sldId id="682" r:id="rId29"/>
+    <p:sldId id="681" r:id="rId30"/>
+    <p:sldId id="526" r:id="rId31"/>
   </p:sldIdLst>
   <p:sldSz cx="9144000" cy="6858000" type="screen4x3"/>
   <p:notesSz cx="6858000" cy="9144000"/>
@@ -268,7 +269,7 @@
           <a:p>
             <a:fld id="{8D6A5B82-772D-429E-808E-66DD5DDC7179}" type="datetimeFigureOut">
               <a:rPr lang="en-US" smtClean="0"/>
-              <a:t>1/23/2020</a:t>
+              <a:t>1/24/2020</a:t>
             </a:fld>
             <a:endParaRPr lang="en-US"/>
           </a:p>
@@ -814,7 +815,7 @@
           <a:p>
             <a:fld id="{C7391CAE-0F66-41E9-94A9-573655353A8D}" type="slidenum">
               <a:rPr lang="en-US" smtClean="0"/>
-              <a:t>25</a:t>
+              <a:t>26</a:t>
             </a:fld>
             <a:endParaRPr lang="en-US"/>
           </a:p>
@@ -898,7 +899,7 @@
           <a:p>
             <a:fld id="{C7391CAE-0F66-41E9-94A9-573655353A8D}" type="slidenum">
               <a:rPr lang="en-US" smtClean="0"/>
-              <a:t>26</a:t>
+              <a:t>27</a:t>
             </a:fld>
             <a:endParaRPr lang="en-US"/>
           </a:p>
@@ -982,7 +983,7 @@
           <a:p>
             <a:fld id="{C7391CAE-0F66-41E9-94A9-573655353A8D}" type="slidenum">
               <a:rPr lang="en-US" smtClean="0"/>
-              <a:t>27</a:t>
+              <a:t>28</a:t>
             </a:fld>
             <a:endParaRPr lang="en-US"/>
           </a:p>
@@ -1066,7 +1067,7 @@
           <a:p>
             <a:fld id="{C7391CAE-0F66-41E9-94A9-573655353A8D}" type="slidenum">
               <a:rPr lang="en-US" smtClean="0"/>
-              <a:t>28</a:t>
+              <a:t>29</a:t>
             </a:fld>
             <a:endParaRPr lang="en-US"/>
           </a:p>
@@ -5377,32 +5378,28 @@
             <a:spLocks noGrp="1"/>
           </p:cNvSpPr>
           <p:nvPr>
-            <p:ph type="title" idx="4294967295"/>
+            <p:ph type="ctrTitle"/>
           </p:nvPr>
         </p:nvSpPr>
-        <p:spPr>
-          <a:xfrm>
-            <a:off x="387928" y="416503"/>
-            <a:ext cx="8229600" cy="563562"/>
-          </a:xfrm>
-        </p:spPr>
+        <p:spPr/>
         <p:txBody>
           <a:bodyPr/>
           <a:lstStyle/>
           <a:p>
-            <a:r>
-              <a:rPr lang="en-US" sz="2000" dirty="0"/>
-              <a:t>Correlation between bitterness of the beer and it's alcoholic content</a:t>
+            <a:pPr algn="ctr"/>
+            <a:r>
+              <a:rPr lang="en-US" sz="2800" dirty="0"/>
+              <a:t>Relationship between ABV and IBU</a:t>
             </a:r>
           </a:p>
         </p:txBody>
       </p:sp>
       <p:pic>
         <p:nvPicPr>
-          <p:cNvPr id="5" name="Picture 4">
-            <a:extLst>
-              <a:ext uri="{FF2B5EF4-FFF2-40B4-BE49-F238E27FC236}">
-                <a16:creationId xmlns:a16="http://schemas.microsoft.com/office/drawing/2014/main" id="{416D651B-094F-486F-901F-4085059FF6DF}"/>
+          <p:cNvPr id="3" name="Picture 2">
+            <a:extLst>
+              <a:ext uri="{FF2B5EF4-FFF2-40B4-BE49-F238E27FC236}">
+                <a16:creationId xmlns:a16="http://schemas.microsoft.com/office/drawing/2014/main" id="{9B84C28A-C3A2-406D-89B1-CA1AD0906AC8}"/>
               </a:ext>
             </a:extLst>
           </p:cNvPr>
@@ -5419,37 +5416,7 @@
         </p:blipFill>
         <p:spPr>
           <a:xfrm>
-            <a:off x="387928" y="910359"/>
-            <a:ext cx="8229600" cy="5278005"/>
-          </a:xfrm>
-          <a:prstGeom prst="rect">
-            <a:avLst/>
-          </a:prstGeom>
-        </p:spPr>
-      </p:pic>
-      <p:pic>
-        <p:nvPicPr>
-          <p:cNvPr id="6" name="Picture 5">
-            <a:extLst>
-              <a:ext uri="{FF2B5EF4-FFF2-40B4-BE49-F238E27FC236}">
-                <a16:creationId xmlns:a16="http://schemas.microsoft.com/office/drawing/2014/main" id="{E3B2445B-8F8E-4DCC-A750-35EA865FFE10}"/>
-              </a:ext>
-            </a:extLst>
-          </p:cNvPr>
-          <p:cNvPicPr>
-            <a:picLocks noChangeAspect="1"/>
-          </p:cNvPicPr>
-          <p:nvPr/>
-        </p:nvPicPr>
-        <p:blipFill>
-          <a:blip r:embed="rId3"/>
-          <a:stretch>
-            <a:fillRect/>
-          </a:stretch>
-        </p:blipFill>
-        <p:spPr>
-          <a:xfrm>
-            <a:off x="7222836" y="6268880"/>
+            <a:off x="7222836" y="6266262"/>
             <a:ext cx="1921164" cy="485521"/>
           </a:xfrm>
           <a:prstGeom prst="rect">
@@ -5460,7 +5427,7 @@
     </p:spTree>
     <p:extLst>
       <p:ext uri="{BB962C8B-B14F-4D97-AF65-F5344CB8AC3E}">
-        <p14:creationId xmlns:p14="http://schemas.microsoft.com/office/powerpoint/2010/main" val="3568982135"/>
+        <p14:creationId xmlns:p14="http://schemas.microsoft.com/office/powerpoint/2010/main" val="4063932089"/>
       </p:ext>
     </p:extLst>
   </p:cSld>
@@ -5505,7 +5472,7 @@
         </p:nvSpPr>
         <p:spPr>
           <a:xfrm>
-            <a:off x="0" y="420688"/>
+            <a:off x="387928" y="416503"/>
             <a:ext cx="8229600" cy="563562"/>
           </a:xfrm>
         </p:spPr>
@@ -5525,7 +5492,7 @@
           <p:cNvPr id="5" name="Picture 4">
             <a:extLst>
               <a:ext uri="{FF2B5EF4-FFF2-40B4-BE49-F238E27FC236}">
-                <a16:creationId xmlns:a16="http://schemas.microsoft.com/office/drawing/2014/main" id="{F4F07665-39CF-478D-A247-2FA86D7E35E2}"/>
+                <a16:creationId xmlns:a16="http://schemas.microsoft.com/office/drawing/2014/main" id="{416D651B-094F-486F-901F-4085059FF6DF}"/>
               </a:ext>
             </a:extLst>
           </p:cNvPr>
@@ -5542,8 +5509,8 @@
         </p:blipFill>
         <p:spPr>
           <a:xfrm>
-            <a:off x="7222836" y="6268880"/>
-            <a:ext cx="1921164" cy="485521"/>
+            <a:off x="387928" y="910359"/>
+            <a:ext cx="8229600" cy="5278005"/>
           </a:xfrm>
           <a:prstGeom prst="rect">
             <a:avLst/>
@@ -5552,10 +5519,10 @@
       </p:pic>
       <p:pic>
         <p:nvPicPr>
-          <p:cNvPr id="3" name="Picture 2">
-            <a:extLst>
-              <a:ext uri="{FF2B5EF4-FFF2-40B4-BE49-F238E27FC236}">
-                <a16:creationId xmlns:a16="http://schemas.microsoft.com/office/drawing/2014/main" id="{5C10C4E1-1EDA-4A79-A222-4CAA2A32E957}"/>
+          <p:cNvPr id="6" name="Picture 5">
+            <a:extLst>
+              <a:ext uri="{FF2B5EF4-FFF2-40B4-BE49-F238E27FC236}">
+                <a16:creationId xmlns:a16="http://schemas.microsoft.com/office/drawing/2014/main" id="{E3B2445B-8F8E-4DCC-A750-35EA865FFE10}"/>
               </a:ext>
             </a:extLst>
           </p:cNvPr>
@@ -5572,8 +5539,8 @@
         </p:blipFill>
         <p:spPr>
           <a:xfrm>
-            <a:off x="377072" y="895546"/>
-            <a:ext cx="8154186" cy="5373334"/>
+            <a:off x="7222836" y="6268880"/>
+            <a:ext cx="1921164" cy="485521"/>
           </a:xfrm>
           <a:prstGeom prst="rect">
             <a:avLst/>
@@ -5583,7 +5550,7 @@
     </p:spTree>
     <p:extLst>
       <p:ext uri="{BB962C8B-B14F-4D97-AF65-F5344CB8AC3E}">
-        <p14:creationId xmlns:p14="http://schemas.microsoft.com/office/powerpoint/2010/main" val="3382035348"/>
+        <p14:creationId xmlns:p14="http://schemas.microsoft.com/office/powerpoint/2010/main" val="3568982135"/>
       </p:ext>
     </p:extLst>
   </p:cSld>
@@ -5612,61 +5579,43 @@
       </p:grpSpPr>
       <p:sp>
         <p:nvSpPr>
-          <p:cNvPr id="4" name="Title 1">
-            <a:extLst>
-              <a:ext uri="{FF2B5EF4-FFF2-40B4-BE49-F238E27FC236}">
-                <a16:creationId xmlns:a16="http://schemas.microsoft.com/office/drawing/2014/main" id="{47A76BE6-BE87-4E77-ABE5-76D25E363585}"/>
-              </a:ext>
-            </a:extLst>
-          </p:cNvPr>
-          <p:cNvSpPr txBox="1">
-            <a:spLocks/>
+          <p:cNvPr id="2" name="Title 1">
+            <a:extLst>
+              <a:ext uri="{FF2B5EF4-FFF2-40B4-BE49-F238E27FC236}">
+                <a16:creationId xmlns:a16="http://schemas.microsoft.com/office/drawing/2014/main" id="{EBB4FF0E-6D5A-4CFE-9FAB-AF5444D96A41}"/>
+              </a:ext>
+            </a:extLst>
+          </p:cNvPr>
+          <p:cNvSpPr>
+            <a:spLocks noGrp="1"/>
           </p:cNvSpPr>
-          <p:nvPr/>
+          <p:nvPr>
+            <p:ph type="title" idx="4294967295"/>
+          </p:nvPr>
         </p:nvSpPr>
         <p:spPr>
           <a:xfrm>
-            <a:off x="129310" y="420688"/>
-            <a:ext cx="8229600" cy="521421"/>
-          </a:xfrm>
-          <a:prstGeom prst="rect">
-            <a:avLst/>
-          </a:prstGeom>
+            <a:off x="0" y="420688"/>
+            <a:ext cx="8229600" cy="563562"/>
+          </a:xfrm>
         </p:spPr>
         <p:txBody>
-          <a:bodyPr vert="horz" lIns="91440" tIns="45720" rIns="91440" bIns="45720" rtlCol="0" anchor="ctr">
-            <a:noAutofit/>
-          </a:bodyPr>
-          <a:lstStyle>
-            <a:lvl1pPr algn="ctr" defTabSz="914400" rtl="0" eaLnBrk="1" latinLnBrk="0" hangingPunct="1">
-              <a:spcBef>
-                <a:spcPct val="0"/>
-              </a:spcBef>
-              <a:buNone/>
-              <a:defRPr sz="4400" b="0" i="0" u="none" kern="1200">
-                <a:solidFill>
-                  <a:schemeClr val="tx1"/>
-                </a:solidFill>
-                <a:latin typeface="+mj-lt"/>
-                <a:ea typeface="+mj-ea"/>
-                <a:cs typeface="+mj-cs"/>
-              </a:defRPr>
-            </a:lvl1pPr>
-          </a:lstStyle>
+          <a:bodyPr/>
+          <a:lstStyle/>
           <a:p>
             <a:r>
               <a:rPr lang="en-US" sz="2000" dirty="0"/>
-              <a:t>ABV and IBU comparison by Beer Categories</a:t>
+              <a:t>Correlation between bitterness of the beer and it's alcoholic content</a:t>
             </a:r>
           </a:p>
         </p:txBody>
       </p:sp>
       <p:pic>
         <p:nvPicPr>
-          <p:cNvPr id="2" name="Picture 1">
-            <a:extLst>
-              <a:ext uri="{FF2B5EF4-FFF2-40B4-BE49-F238E27FC236}">
-                <a16:creationId xmlns:a16="http://schemas.microsoft.com/office/drawing/2014/main" id="{C5F85850-BF55-404E-9CC8-7E5B07B60193}"/>
+          <p:cNvPr id="5" name="Picture 4">
+            <a:extLst>
+              <a:ext uri="{FF2B5EF4-FFF2-40B4-BE49-F238E27FC236}">
+                <a16:creationId xmlns:a16="http://schemas.microsoft.com/office/drawing/2014/main" id="{F4F07665-39CF-478D-A247-2FA86D7E35E2}"/>
               </a:ext>
             </a:extLst>
           </p:cNvPr>
@@ -5683,8 +5632,38 @@
         </p:blipFill>
         <p:spPr>
           <a:xfrm>
-            <a:off x="497588" y="857839"/>
-            <a:ext cx="8148824" cy="5429840"/>
+            <a:off x="7222836" y="6268880"/>
+            <a:ext cx="1921164" cy="485521"/>
+          </a:xfrm>
+          <a:prstGeom prst="rect">
+            <a:avLst/>
+          </a:prstGeom>
+        </p:spPr>
+      </p:pic>
+      <p:pic>
+        <p:nvPicPr>
+          <p:cNvPr id="3" name="Picture 2">
+            <a:extLst>
+              <a:ext uri="{FF2B5EF4-FFF2-40B4-BE49-F238E27FC236}">
+                <a16:creationId xmlns:a16="http://schemas.microsoft.com/office/drawing/2014/main" id="{5C10C4E1-1EDA-4A79-A222-4CAA2A32E957}"/>
+              </a:ext>
+            </a:extLst>
+          </p:cNvPr>
+          <p:cNvPicPr>
+            <a:picLocks noChangeAspect="1"/>
+          </p:cNvPicPr>
+          <p:nvPr/>
+        </p:nvPicPr>
+        <p:blipFill>
+          <a:blip r:embed="rId3"/>
+          <a:stretch>
+            <a:fillRect/>
+          </a:stretch>
+        </p:blipFill>
+        <p:spPr>
+          <a:xfrm>
+            <a:off x="377072" y="895546"/>
+            <a:ext cx="8154186" cy="5373334"/>
           </a:xfrm>
           <a:prstGeom prst="rect">
             <a:avLst/>
@@ -5694,7 +5673,7 @@
     </p:spTree>
     <p:extLst>
       <p:ext uri="{BB962C8B-B14F-4D97-AF65-F5344CB8AC3E}">
-        <p14:creationId xmlns:p14="http://schemas.microsoft.com/office/powerpoint/2010/main" val="1052165924"/>
+        <p14:creationId xmlns:p14="http://schemas.microsoft.com/office/powerpoint/2010/main" val="3382035348"/>
       </p:ext>
     </p:extLst>
   </p:cSld>
@@ -5723,39 +5702,61 @@
       </p:grpSpPr>
       <p:sp>
         <p:nvSpPr>
-          <p:cNvPr id="2" name="Title 1">
-            <a:extLst>
-              <a:ext uri="{FF2B5EF4-FFF2-40B4-BE49-F238E27FC236}">
-                <a16:creationId xmlns:a16="http://schemas.microsoft.com/office/drawing/2014/main" id="{EBB4FF0E-6D5A-4CFE-9FAB-AF5444D96A41}"/>
-              </a:ext>
-            </a:extLst>
-          </p:cNvPr>
-          <p:cNvSpPr>
-            <a:spLocks noGrp="1"/>
+          <p:cNvPr id="4" name="Title 1">
+            <a:extLst>
+              <a:ext uri="{FF2B5EF4-FFF2-40B4-BE49-F238E27FC236}">
+                <a16:creationId xmlns:a16="http://schemas.microsoft.com/office/drawing/2014/main" id="{47A76BE6-BE87-4E77-ABE5-76D25E363585}"/>
+              </a:ext>
+            </a:extLst>
+          </p:cNvPr>
+          <p:cNvSpPr txBox="1">
+            <a:spLocks/>
           </p:cNvSpPr>
-          <p:nvPr>
-            <p:ph type="ctrTitle"/>
-          </p:nvPr>
+          <p:nvPr/>
         </p:nvSpPr>
-        <p:spPr/>
+        <p:spPr>
+          <a:xfrm>
+            <a:off x="129310" y="420688"/>
+            <a:ext cx="8229600" cy="521421"/>
+          </a:xfrm>
+          <a:prstGeom prst="rect">
+            <a:avLst/>
+          </a:prstGeom>
+        </p:spPr>
         <p:txBody>
-          <a:bodyPr/>
-          <a:lstStyle/>
-          <a:p>
-            <a:pPr algn="ctr"/>
-            <a:r>
-              <a:rPr lang="en-US" sz="2800" dirty="0"/>
-              <a:t>Modeling the data</a:t>
+          <a:bodyPr vert="horz" lIns="91440" tIns="45720" rIns="91440" bIns="45720" rtlCol="0" anchor="ctr">
+            <a:noAutofit/>
+          </a:bodyPr>
+          <a:lstStyle>
+            <a:lvl1pPr algn="ctr" defTabSz="914400" rtl="0" eaLnBrk="1" latinLnBrk="0" hangingPunct="1">
+              <a:spcBef>
+                <a:spcPct val="0"/>
+              </a:spcBef>
+              <a:buNone/>
+              <a:defRPr sz="4400" b="0" i="0" u="none" kern="1200">
+                <a:solidFill>
+                  <a:schemeClr val="tx1"/>
+                </a:solidFill>
+                <a:latin typeface="+mj-lt"/>
+                <a:ea typeface="+mj-ea"/>
+                <a:cs typeface="+mj-cs"/>
+              </a:defRPr>
+            </a:lvl1pPr>
+          </a:lstStyle>
+          <a:p>
+            <a:r>
+              <a:rPr lang="en-US" sz="2000" dirty="0"/>
+              <a:t>ABV and IBU comparison by Beer Categories</a:t>
             </a:r>
           </a:p>
         </p:txBody>
       </p:sp>
       <p:pic>
         <p:nvPicPr>
-          <p:cNvPr id="3" name="Picture 2">
-            <a:extLst>
-              <a:ext uri="{FF2B5EF4-FFF2-40B4-BE49-F238E27FC236}">
-                <a16:creationId xmlns:a16="http://schemas.microsoft.com/office/drawing/2014/main" id="{9B84C28A-C3A2-406D-89B1-CA1AD0906AC8}"/>
+          <p:cNvPr id="2" name="Picture 1">
+            <a:extLst>
+              <a:ext uri="{FF2B5EF4-FFF2-40B4-BE49-F238E27FC236}">
+                <a16:creationId xmlns:a16="http://schemas.microsoft.com/office/drawing/2014/main" id="{C5F85850-BF55-404E-9CC8-7E5B07B60193}"/>
               </a:ext>
             </a:extLst>
           </p:cNvPr>
@@ -5772,8 +5773,8 @@
         </p:blipFill>
         <p:spPr>
           <a:xfrm>
-            <a:off x="7222836" y="6266262"/>
-            <a:ext cx="1921164" cy="485521"/>
+            <a:off x="497588" y="857839"/>
+            <a:ext cx="8148824" cy="5429840"/>
           </a:xfrm>
           <a:prstGeom prst="rect">
             <a:avLst/>
@@ -5783,7 +5784,7 @@
     </p:spTree>
     <p:extLst>
       <p:ext uri="{BB962C8B-B14F-4D97-AF65-F5344CB8AC3E}">
-        <p14:creationId xmlns:p14="http://schemas.microsoft.com/office/powerpoint/2010/main" val="65853841"/>
+        <p14:creationId xmlns:p14="http://schemas.microsoft.com/office/powerpoint/2010/main" val="1052165924"/>
       </p:ext>
     </p:extLst>
   </p:cSld>
@@ -5812,67 +5813,39 @@
       </p:grpSpPr>
       <p:sp>
         <p:nvSpPr>
-          <p:cNvPr id="4" name="Title 1">
-            <a:extLst>
-              <a:ext uri="{FF2B5EF4-FFF2-40B4-BE49-F238E27FC236}">
-                <a16:creationId xmlns:a16="http://schemas.microsoft.com/office/drawing/2014/main" id="{47A76BE6-BE87-4E77-ABE5-76D25E363585}"/>
-              </a:ext>
-            </a:extLst>
-          </p:cNvPr>
-          <p:cNvSpPr txBox="1">
-            <a:spLocks/>
+          <p:cNvPr id="2" name="Title 1">
+            <a:extLst>
+              <a:ext uri="{FF2B5EF4-FFF2-40B4-BE49-F238E27FC236}">
+                <a16:creationId xmlns:a16="http://schemas.microsoft.com/office/drawing/2014/main" id="{EBB4FF0E-6D5A-4CFE-9FAB-AF5444D96A41}"/>
+              </a:ext>
+            </a:extLst>
+          </p:cNvPr>
+          <p:cNvSpPr>
+            <a:spLocks noGrp="1"/>
           </p:cNvSpPr>
-          <p:nvPr/>
+          <p:nvPr>
+            <p:ph type="ctrTitle"/>
+          </p:nvPr>
         </p:nvSpPr>
-        <p:spPr>
-          <a:xfrm>
-            <a:off x="129310" y="420688"/>
-            <a:ext cx="8229600" cy="743094"/>
-          </a:xfrm>
-          <a:prstGeom prst="rect">
-            <a:avLst/>
-          </a:prstGeom>
-        </p:spPr>
+        <p:spPr/>
         <p:txBody>
-          <a:bodyPr vert="horz" lIns="91440" tIns="45720" rIns="91440" bIns="45720" rtlCol="0" anchor="ctr">
-            <a:noAutofit/>
-          </a:bodyPr>
-          <a:lstStyle>
-            <a:lvl1pPr algn="ctr" defTabSz="914400" rtl="0" eaLnBrk="1" latinLnBrk="0" hangingPunct="1">
-              <a:spcBef>
-                <a:spcPct val="0"/>
-              </a:spcBef>
-              <a:buNone/>
-              <a:defRPr sz="4400" b="0" i="0" u="none" kern="1200">
-                <a:solidFill>
-                  <a:schemeClr val="tx1"/>
-                </a:solidFill>
-                <a:latin typeface="+mj-lt"/>
-                <a:ea typeface="+mj-ea"/>
-                <a:cs typeface="+mj-cs"/>
-              </a:defRPr>
-            </a:lvl1pPr>
-          </a:lstStyle>
-          <a:p>
-            <a:r>
-              <a:rPr lang="en-US" sz="2000" dirty="0"/>
-              <a:t>Used KNN Model to categorize Beers on ABV and IBU measures</a:t>
-            </a:r>
-          </a:p>
-          <a:p>
-            <a:r>
-              <a:rPr lang="en-US" sz="2000" dirty="0"/>
-              <a:t>~92% Accuracy for k=5</a:t>
+          <a:bodyPr/>
+          <a:lstStyle/>
+          <a:p>
+            <a:pPr algn="ctr"/>
+            <a:r>
+              <a:rPr lang="en-US" sz="2800" dirty="0"/>
+              <a:t>Modeling the data</a:t>
             </a:r>
           </a:p>
         </p:txBody>
       </p:sp>
       <p:pic>
         <p:nvPicPr>
-          <p:cNvPr id="5" name="Picture 4">
-            <a:extLst>
-              <a:ext uri="{FF2B5EF4-FFF2-40B4-BE49-F238E27FC236}">
-                <a16:creationId xmlns:a16="http://schemas.microsoft.com/office/drawing/2014/main" id="{40C4467B-0BF3-413F-8D72-137F7F2E1F28}"/>
+          <p:cNvPr id="3" name="Picture 2">
+            <a:extLst>
+              <a:ext uri="{FF2B5EF4-FFF2-40B4-BE49-F238E27FC236}">
+                <a16:creationId xmlns:a16="http://schemas.microsoft.com/office/drawing/2014/main" id="{9B84C28A-C3A2-406D-89B1-CA1AD0906AC8}"/>
               </a:ext>
             </a:extLst>
           </p:cNvPr>
@@ -5889,38 +5862,8 @@
         </p:blipFill>
         <p:spPr>
           <a:xfrm>
-            <a:off x="7148945" y="6266262"/>
+            <a:off x="7222836" y="6266262"/>
             <a:ext cx="1921164" cy="485521"/>
-          </a:xfrm>
-          <a:prstGeom prst="rect">
-            <a:avLst/>
-          </a:prstGeom>
-        </p:spPr>
-      </p:pic>
-      <p:pic>
-        <p:nvPicPr>
-          <p:cNvPr id="6" name="Picture 5">
-            <a:extLst>
-              <a:ext uri="{FF2B5EF4-FFF2-40B4-BE49-F238E27FC236}">
-                <a16:creationId xmlns:a16="http://schemas.microsoft.com/office/drawing/2014/main" id="{91F23813-9407-44FB-A0B4-7A022263C225}"/>
-              </a:ext>
-            </a:extLst>
-          </p:cNvPr>
-          <p:cNvPicPr>
-            <a:picLocks noChangeAspect="1"/>
-          </p:cNvPicPr>
-          <p:nvPr/>
-        </p:nvPicPr>
-        <p:blipFill>
-          <a:blip r:embed="rId3"/>
-          <a:stretch>
-            <a:fillRect/>
-          </a:stretch>
-        </p:blipFill>
-        <p:spPr>
-          <a:xfrm>
-            <a:off x="923636" y="1163782"/>
-            <a:ext cx="6688797" cy="5102480"/>
           </a:xfrm>
           <a:prstGeom prst="rect">
             <a:avLst/>
@@ -5930,7 +5873,7 @@
     </p:spTree>
     <p:extLst>
       <p:ext uri="{BB962C8B-B14F-4D97-AF65-F5344CB8AC3E}">
-        <p14:creationId xmlns:p14="http://schemas.microsoft.com/office/powerpoint/2010/main" val="1137615711"/>
+        <p14:creationId xmlns:p14="http://schemas.microsoft.com/office/powerpoint/2010/main" val="65853841"/>
       </p:ext>
     </p:extLst>
   </p:cSld>
@@ -5974,7 +5917,7 @@
         <p:spPr>
           <a:xfrm>
             <a:off x="129310" y="420688"/>
-            <a:ext cx="8229600" cy="521421"/>
+            <a:ext cx="8229600" cy="743094"/>
           </a:xfrm>
           <a:prstGeom prst="rect">
             <a:avLst/>
@@ -6003,17 +5946,53 @@
           <a:p>
             <a:r>
               <a:rPr lang="en-US" sz="2000" dirty="0"/>
-              <a:t>Beer Category Conflicts </a:t>
+              <a:t>Used KNN Model to categorize Beers on ABV and IBU measures</a:t>
+            </a:r>
+          </a:p>
+          <a:p>
+            <a:r>
+              <a:rPr lang="en-US" sz="2000" dirty="0"/>
+              <a:t>~92% Accuracy for k=5</a:t>
             </a:r>
           </a:p>
         </p:txBody>
       </p:sp>
       <p:pic>
         <p:nvPicPr>
-          <p:cNvPr id="8" name="Picture 7">
-            <a:extLst>
-              <a:ext uri="{FF2B5EF4-FFF2-40B4-BE49-F238E27FC236}">
-                <a16:creationId xmlns:a16="http://schemas.microsoft.com/office/drawing/2014/main" id="{3D57BD73-146A-44DE-BEB3-D104AD4923D9}"/>
+          <p:cNvPr id="5" name="Picture 4">
+            <a:extLst>
+              <a:ext uri="{FF2B5EF4-FFF2-40B4-BE49-F238E27FC236}">
+                <a16:creationId xmlns:a16="http://schemas.microsoft.com/office/drawing/2014/main" id="{40C4467B-0BF3-413F-8D72-137F7F2E1F28}"/>
+              </a:ext>
+            </a:extLst>
+          </p:cNvPr>
+          <p:cNvPicPr>
+            <a:picLocks noChangeAspect="1"/>
+          </p:cNvPicPr>
+          <p:nvPr/>
+        </p:nvPicPr>
+        <p:blipFill>
+          <a:blip r:embed="rId2"/>
+          <a:stretch>
+            <a:fillRect/>
+          </a:stretch>
+        </p:blipFill>
+        <p:spPr>
+          <a:xfrm>
+            <a:off x="7148945" y="6266262"/>
+            <a:ext cx="1921164" cy="485521"/>
+          </a:xfrm>
+          <a:prstGeom prst="rect">
+            <a:avLst/>
+          </a:prstGeom>
+        </p:spPr>
+      </p:pic>
+      <p:pic>
+        <p:nvPicPr>
+          <p:cNvPr id="6" name="Picture 5">
+            <a:extLst>
+              <a:ext uri="{FF2B5EF4-FFF2-40B4-BE49-F238E27FC236}">
+                <a16:creationId xmlns:a16="http://schemas.microsoft.com/office/drawing/2014/main" id="{91F23813-9407-44FB-A0B4-7A022263C225}"/>
               </a:ext>
             </a:extLst>
           </p:cNvPr>
@@ -6030,68 +6009,8 @@
         </p:blipFill>
         <p:spPr>
           <a:xfrm>
-            <a:off x="7222836" y="6266262"/>
-            <a:ext cx="1921164" cy="485521"/>
-          </a:xfrm>
-          <a:prstGeom prst="rect">
-            <a:avLst/>
-          </a:prstGeom>
-        </p:spPr>
-      </p:pic>
-      <p:pic>
-        <p:nvPicPr>
-          <p:cNvPr id="2" name="Picture 1">
-            <a:extLst>
-              <a:ext uri="{FF2B5EF4-FFF2-40B4-BE49-F238E27FC236}">
-                <a16:creationId xmlns:a16="http://schemas.microsoft.com/office/drawing/2014/main" id="{4C490B81-DDA9-4198-AC39-C7C0D5364A97}"/>
-              </a:ext>
-            </a:extLst>
-          </p:cNvPr>
-          <p:cNvPicPr>
-            <a:picLocks noChangeAspect="1"/>
-          </p:cNvPicPr>
-          <p:nvPr/>
-        </p:nvPicPr>
-        <p:blipFill>
-          <a:blip r:embed="rId4"/>
-          <a:stretch>
-            <a:fillRect/>
-          </a:stretch>
-        </p:blipFill>
-        <p:spPr>
-          <a:xfrm>
-            <a:off x="4506012" y="831273"/>
-            <a:ext cx="4407234" cy="5434990"/>
-          </a:xfrm>
-          <a:prstGeom prst="rect">
-            <a:avLst/>
-          </a:prstGeom>
-        </p:spPr>
-      </p:pic>
-      <p:pic>
-        <p:nvPicPr>
-          <p:cNvPr id="3" name="Picture 2">
-            <a:extLst>
-              <a:ext uri="{FF2B5EF4-FFF2-40B4-BE49-F238E27FC236}">
-                <a16:creationId xmlns:a16="http://schemas.microsoft.com/office/drawing/2014/main" id="{D3E8BB3A-3823-4981-975D-FBEDE266EFF0}"/>
-              </a:ext>
-            </a:extLst>
-          </p:cNvPr>
-          <p:cNvPicPr>
-            <a:picLocks noChangeAspect="1"/>
-          </p:cNvPicPr>
-          <p:nvPr/>
-        </p:nvPicPr>
-        <p:blipFill>
-          <a:blip r:embed="rId5"/>
-          <a:stretch>
-            <a:fillRect/>
-          </a:stretch>
-        </p:blipFill>
-        <p:spPr>
-          <a:xfrm>
-            <a:off x="129311" y="831272"/>
-            <a:ext cx="4282434" cy="5434990"/>
+            <a:off x="923636" y="1163782"/>
+            <a:ext cx="6688797" cy="5102480"/>
           </a:xfrm>
           <a:prstGeom prst="rect">
             <a:avLst/>
@@ -6101,7 +6020,7 @@
     </p:spTree>
     <p:extLst>
       <p:ext uri="{BB962C8B-B14F-4D97-AF65-F5344CB8AC3E}">
-        <p14:creationId xmlns:p14="http://schemas.microsoft.com/office/powerpoint/2010/main" val="3005922749"/>
+        <p14:creationId xmlns:p14="http://schemas.microsoft.com/office/powerpoint/2010/main" val="1137615711"/>
       </p:ext>
     </p:extLst>
   </p:cSld>
@@ -6144,7 +6063,7 @@
         </p:nvSpPr>
         <p:spPr>
           <a:xfrm>
-            <a:off x="327272" y="854321"/>
+            <a:off x="129310" y="420688"/>
             <a:ext cx="8229600" cy="521421"/>
           </a:xfrm>
           <a:prstGeom prst="rect">
@@ -6173,100 +6092,8 @@
           </a:lstStyle>
           <a:p>
             <a:r>
-              <a:rPr lang="en-US" sz="3600" dirty="0"/>
-              <a:t>Conclusion based on KNN model</a:t>
-            </a:r>
-            <a:r>
               <a:rPr lang="en-US" sz="2000" dirty="0"/>
-              <a:t>	</a:t>
-            </a:r>
-          </a:p>
-        </p:txBody>
-      </p:sp>
-      <p:sp>
-        <p:nvSpPr>
-          <p:cNvPr id="5" name="Title 1">
-            <a:extLst>
-              <a:ext uri="{FF2B5EF4-FFF2-40B4-BE49-F238E27FC236}">
-                <a16:creationId xmlns:a16="http://schemas.microsoft.com/office/drawing/2014/main" id="{917D09F9-B5EC-4FAD-89D8-1B8E63FCC77B}"/>
-              </a:ext>
-            </a:extLst>
-          </p:cNvPr>
-          <p:cNvSpPr txBox="1">
-            <a:spLocks/>
-          </p:cNvSpPr>
-          <p:nvPr/>
-        </p:nvSpPr>
-        <p:spPr>
-          <a:xfrm>
-            <a:off x="457200" y="1605468"/>
-            <a:ext cx="8229600" cy="3132787"/>
-          </a:xfrm>
-          <a:prstGeom prst="rect">
-            <a:avLst/>
-          </a:prstGeom>
-        </p:spPr>
-        <p:txBody>
-          <a:bodyPr vert="horz" lIns="91440" tIns="45720" rIns="91440" bIns="45720" rtlCol="0" anchor="ctr">
-            <a:noAutofit/>
-          </a:bodyPr>
-          <a:lstStyle>
-            <a:lvl1pPr algn="ctr" defTabSz="914400" rtl="0" eaLnBrk="1" latinLnBrk="0" hangingPunct="1">
-              <a:spcBef>
-                <a:spcPct val="0"/>
-              </a:spcBef>
-              <a:buNone/>
-              <a:defRPr sz="4400" b="0" i="0" u="none" kern="1200">
-                <a:solidFill>
-                  <a:schemeClr val="tx1"/>
-                </a:solidFill>
-                <a:latin typeface="+mj-lt"/>
-                <a:ea typeface="+mj-ea"/>
-                <a:cs typeface="+mj-cs"/>
-              </a:defRPr>
-            </a:lvl1pPr>
-          </a:lstStyle>
-          <a:p>
-            <a:pPr marL="342900" indent="-342900" algn="l">
-              <a:buFont typeface="Arial" panose="020B0604020202020204" pitchFamily="34" charset="0"/>
-              <a:buChar char="•"/>
-            </a:pPr>
-            <a:r>
-              <a:rPr lang="en-US" sz="2000" dirty="0"/>
-              <a:t>Among all IPA and Other Ales, 119 Beers seem to have been miscategorized</a:t>
-            </a:r>
-          </a:p>
-          <a:p>
-            <a:pPr algn="l"/>
-            <a:endParaRPr lang="en-US" sz="2000" dirty="0"/>
-          </a:p>
-          <a:p>
-            <a:pPr marL="342900" indent="-342900" algn="l">
-              <a:buFont typeface="Courier New" panose="02070309020205020404" pitchFamily="49" charset="0"/>
-              <a:buChar char="o"/>
-            </a:pPr>
-            <a:r>
-              <a:rPr lang="en-US" sz="2000" dirty="0"/>
-              <a:t>68 miscategorized as IPA</a:t>
-            </a:r>
-          </a:p>
-          <a:p>
-            <a:pPr marL="342900" indent="-342900" algn="l">
-              <a:buFont typeface="Courier New" panose="02070309020205020404" pitchFamily="49" charset="0"/>
-              <a:buChar char="o"/>
-            </a:pPr>
-            <a:r>
-              <a:rPr lang="en-US" sz="2000" dirty="0"/>
-              <a:t>51 miscategorized as Other Ales</a:t>
-            </a:r>
-          </a:p>
-          <a:p>
-            <a:endParaRPr lang="en-US" sz="2000" dirty="0"/>
-          </a:p>
-          <a:p>
-            <a:r>
-              <a:rPr lang="en-US" sz="2000" dirty="0"/>
-              <a:t>	</a:t>
+              <a:t>Beer Category Conflicts </a:t>
             </a:r>
           </a:p>
         </p:txBody>
@@ -6276,7 +6103,7 @@
           <p:cNvPr id="8" name="Picture 7">
             <a:extLst>
               <a:ext uri="{FF2B5EF4-FFF2-40B4-BE49-F238E27FC236}">
-                <a16:creationId xmlns:a16="http://schemas.microsoft.com/office/drawing/2014/main" id="{C72891EB-B873-457B-BD2C-E3F58B191914}"/>
+                <a16:creationId xmlns:a16="http://schemas.microsoft.com/office/drawing/2014/main" id="{3D57BD73-146A-44DE-BEB3-D104AD4923D9}"/>
               </a:ext>
             </a:extLst>
           </p:cNvPr>
@@ -6301,10 +6128,70 @@
           </a:prstGeom>
         </p:spPr>
       </p:pic>
+      <p:pic>
+        <p:nvPicPr>
+          <p:cNvPr id="2" name="Picture 1">
+            <a:extLst>
+              <a:ext uri="{FF2B5EF4-FFF2-40B4-BE49-F238E27FC236}">
+                <a16:creationId xmlns:a16="http://schemas.microsoft.com/office/drawing/2014/main" id="{4C490B81-DDA9-4198-AC39-C7C0D5364A97}"/>
+              </a:ext>
+            </a:extLst>
+          </p:cNvPr>
+          <p:cNvPicPr>
+            <a:picLocks noChangeAspect="1"/>
+          </p:cNvPicPr>
+          <p:nvPr/>
+        </p:nvPicPr>
+        <p:blipFill>
+          <a:blip r:embed="rId4"/>
+          <a:stretch>
+            <a:fillRect/>
+          </a:stretch>
+        </p:blipFill>
+        <p:spPr>
+          <a:xfrm>
+            <a:off x="4506012" y="831273"/>
+            <a:ext cx="4407234" cy="5434990"/>
+          </a:xfrm>
+          <a:prstGeom prst="rect">
+            <a:avLst/>
+          </a:prstGeom>
+        </p:spPr>
+      </p:pic>
+      <p:pic>
+        <p:nvPicPr>
+          <p:cNvPr id="3" name="Picture 2">
+            <a:extLst>
+              <a:ext uri="{FF2B5EF4-FFF2-40B4-BE49-F238E27FC236}">
+                <a16:creationId xmlns:a16="http://schemas.microsoft.com/office/drawing/2014/main" id="{D3E8BB3A-3823-4981-975D-FBEDE266EFF0}"/>
+              </a:ext>
+            </a:extLst>
+          </p:cNvPr>
+          <p:cNvPicPr>
+            <a:picLocks noChangeAspect="1"/>
+          </p:cNvPicPr>
+          <p:nvPr/>
+        </p:nvPicPr>
+        <p:blipFill>
+          <a:blip r:embed="rId5"/>
+          <a:stretch>
+            <a:fillRect/>
+          </a:stretch>
+        </p:blipFill>
+        <p:spPr>
+          <a:xfrm>
+            <a:off x="129311" y="831272"/>
+            <a:ext cx="4282434" cy="5434990"/>
+          </a:xfrm>
+          <a:prstGeom prst="rect">
+            <a:avLst/>
+          </a:prstGeom>
+        </p:spPr>
+      </p:pic>
     </p:spTree>
     <p:extLst>
       <p:ext uri="{BB962C8B-B14F-4D97-AF65-F5344CB8AC3E}">
-        <p14:creationId xmlns:p14="http://schemas.microsoft.com/office/powerpoint/2010/main" val="2435837963"/>
+        <p14:creationId xmlns:p14="http://schemas.microsoft.com/office/powerpoint/2010/main" val="3005922749"/>
       </p:ext>
     </p:extLst>
   </p:cSld>
@@ -6347,7 +6234,7 @@
         </p:nvSpPr>
         <p:spPr>
           <a:xfrm>
-            <a:off x="129310" y="420688"/>
+            <a:off x="327272" y="854321"/>
             <a:ext cx="8229600" cy="521421"/>
           </a:xfrm>
           <a:prstGeom prst="rect">
@@ -6377,17 +6264,109 @@
           <a:p>
             <a:r>
               <a:rPr lang="en-US" sz="3600" dirty="0"/>
-              <a:t>An example of Beer Category Conflicts </a:t>
+              <a:t>Conclusion based on KNN model</a:t>
+            </a:r>
+            <a:r>
+              <a:rPr lang="en-US" sz="2000" dirty="0"/>
+              <a:t>	</a:t>
+            </a:r>
+          </a:p>
+        </p:txBody>
+      </p:sp>
+      <p:sp>
+        <p:nvSpPr>
+          <p:cNvPr id="5" name="Title 1">
+            <a:extLst>
+              <a:ext uri="{FF2B5EF4-FFF2-40B4-BE49-F238E27FC236}">
+                <a16:creationId xmlns:a16="http://schemas.microsoft.com/office/drawing/2014/main" id="{917D09F9-B5EC-4FAD-89D8-1B8E63FCC77B}"/>
+              </a:ext>
+            </a:extLst>
+          </p:cNvPr>
+          <p:cNvSpPr txBox="1">
+            <a:spLocks/>
+          </p:cNvSpPr>
+          <p:nvPr/>
+        </p:nvSpPr>
+        <p:spPr>
+          <a:xfrm>
+            <a:off x="457200" y="1605468"/>
+            <a:ext cx="8229600" cy="3132787"/>
+          </a:xfrm>
+          <a:prstGeom prst="rect">
+            <a:avLst/>
+          </a:prstGeom>
+        </p:spPr>
+        <p:txBody>
+          <a:bodyPr vert="horz" lIns="91440" tIns="45720" rIns="91440" bIns="45720" rtlCol="0" anchor="ctr">
+            <a:noAutofit/>
+          </a:bodyPr>
+          <a:lstStyle>
+            <a:lvl1pPr algn="ctr" defTabSz="914400" rtl="0" eaLnBrk="1" latinLnBrk="0" hangingPunct="1">
+              <a:spcBef>
+                <a:spcPct val="0"/>
+              </a:spcBef>
+              <a:buNone/>
+              <a:defRPr sz="4400" b="0" i="0" u="none" kern="1200">
+                <a:solidFill>
+                  <a:schemeClr val="tx1"/>
+                </a:solidFill>
+                <a:latin typeface="+mj-lt"/>
+                <a:ea typeface="+mj-ea"/>
+                <a:cs typeface="+mj-cs"/>
+              </a:defRPr>
+            </a:lvl1pPr>
+          </a:lstStyle>
+          <a:p>
+            <a:pPr marL="342900" indent="-342900" algn="l">
+              <a:buFont typeface="Arial" panose="020B0604020202020204" pitchFamily="34" charset="0"/>
+              <a:buChar char="•"/>
+            </a:pPr>
+            <a:r>
+              <a:rPr lang="en-US" sz="2000" dirty="0"/>
+              <a:t>Among all IPA and Other Ales, 119 Beers seem to have been miscategorized</a:t>
+            </a:r>
+          </a:p>
+          <a:p>
+            <a:pPr algn="l"/>
+            <a:endParaRPr lang="en-US" sz="2000" dirty="0"/>
+          </a:p>
+          <a:p>
+            <a:pPr marL="342900" indent="-342900" algn="l">
+              <a:buFont typeface="Courier New" panose="02070309020205020404" pitchFamily="49" charset="0"/>
+              <a:buChar char="o"/>
+            </a:pPr>
+            <a:r>
+              <a:rPr lang="en-US" sz="2000" dirty="0"/>
+              <a:t>68 miscategorized as IPA</a:t>
+            </a:r>
+          </a:p>
+          <a:p>
+            <a:pPr marL="342900" indent="-342900" algn="l">
+              <a:buFont typeface="Courier New" panose="02070309020205020404" pitchFamily="49" charset="0"/>
+              <a:buChar char="o"/>
+            </a:pPr>
+            <a:r>
+              <a:rPr lang="en-US" sz="2000" dirty="0"/>
+              <a:t>51 miscategorized as Other Ales</a:t>
+            </a:r>
+          </a:p>
+          <a:p>
+            <a:endParaRPr lang="en-US" sz="2000" dirty="0"/>
+          </a:p>
+          <a:p>
+            <a:r>
+              <a:rPr lang="en-US" sz="2000" dirty="0"/>
+              <a:t>	</a:t>
             </a:r>
           </a:p>
         </p:txBody>
       </p:sp>
       <p:pic>
         <p:nvPicPr>
-          <p:cNvPr id="2" name="Picture 1">
-            <a:extLst>
-              <a:ext uri="{FF2B5EF4-FFF2-40B4-BE49-F238E27FC236}">
-                <a16:creationId xmlns:a16="http://schemas.microsoft.com/office/drawing/2014/main" id="{7B21ECBE-B15F-4366-AFC1-7B549B466B97}"/>
+          <p:cNvPr id="8" name="Picture 7">
+            <a:extLst>
+              <a:ext uri="{FF2B5EF4-FFF2-40B4-BE49-F238E27FC236}">
+                <a16:creationId xmlns:a16="http://schemas.microsoft.com/office/drawing/2014/main" id="{C72891EB-B873-457B-BD2C-E3F58B191914}"/>
               </a:ext>
             </a:extLst>
           </p:cNvPr>
@@ -6404,36 +6383,6 @@
         </p:blipFill>
         <p:spPr>
           <a:xfrm>
-            <a:off x="1357745" y="1291472"/>
-            <a:ext cx="5865091" cy="4876218"/>
-          </a:xfrm>
-          <a:prstGeom prst="rect">
-            <a:avLst/>
-          </a:prstGeom>
-        </p:spPr>
-      </p:pic>
-      <p:pic>
-        <p:nvPicPr>
-          <p:cNvPr id="8" name="Picture 7">
-            <a:extLst>
-              <a:ext uri="{FF2B5EF4-FFF2-40B4-BE49-F238E27FC236}">
-                <a16:creationId xmlns:a16="http://schemas.microsoft.com/office/drawing/2014/main" id="{27906546-1EB4-4192-A2A2-853EFEFBAE17}"/>
-              </a:ext>
-            </a:extLst>
-          </p:cNvPr>
-          <p:cNvPicPr>
-            <a:picLocks noChangeAspect="1"/>
-          </p:cNvPicPr>
-          <p:nvPr/>
-        </p:nvPicPr>
-        <p:blipFill>
-          <a:blip r:embed="rId4"/>
-          <a:stretch>
-            <a:fillRect/>
-          </a:stretch>
-        </p:blipFill>
-        <p:spPr>
-          <a:xfrm>
             <a:off x="7222836" y="6266262"/>
             <a:ext cx="1921164" cy="485521"/>
           </a:xfrm>
@@ -6445,7 +6394,7 @@
     </p:spTree>
     <p:extLst>
       <p:ext uri="{BB962C8B-B14F-4D97-AF65-F5344CB8AC3E}">
-        <p14:creationId xmlns:p14="http://schemas.microsoft.com/office/powerpoint/2010/main" val="298467463"/>
+        <p14:creationId xmlns:p14="http://schemas.microsoft.com/office/powerpoint/2010/main" val="2435837963"/>
       </p:ext>
     </p:extLst>
   </p:cSld>
@@ -6488,7 +6437,7 @@
         </p:nvSpPr>
         <p:spPr>
           <a:xfrm>
-            <a:off x="267856" y="681398"/>
+            <a:off x="129310" y="420688"/>
             <a:ext cx="8229600" cy="521421"/>
           </a:xfrm>
           <a:prstGeom prst="rect">
@@ -6517,94 +6466,18 @@
           </a:lstStyle>
           <a:p>
             <a:r>
-              <a:rPr lang="en-US" sz="3200" dirty="0"/>
-              <a:t>Take Away</a:t>
-            </a:r>
-            <a:r>
-              <a:rPr lang="en-US" sz="2000" dirty="0"/>
-              <a:t>	</a:t>
-            </a:r>
-          </a:p>
-        </p:txBody>
-      </p:sp>
-      <p:sp>
-        <p:nvSpPr>
-          <p:cNvPr id="5" name="Title 1">
-            <a:extLst>
-              <a:ext uri="{FF2B5EF4-FFF2-40B4-BE49-F238E27FC236}">
-                <a16:creationId xmlns:a16="http://schemas.microsoft.com/office/drawing/2014/main" id="{917D09F9-B5EC-4FAD-89D8-1B8E63FCC77B}"/>
-              </a:ext>
-            </a:extLst>
-          </p:cNvPr>
-          <p:cNvSpPr txBox="1">
-            <a:spLocks/>
-          </p:cNvSpPr>
-          <p:nvPr/>
-        </p:nvSpPr>
-        <p:spPr>
-          <a:xfrm>
-            <a:off x="341745" y="1308244"/>
-            <a:ext cx="8229600" cy="3132787"/>
-          </a:xfrm>
-          <a:prstGeom prst="rect">
-            <a:avLst/>
-          </a:prstGeom>
-        </p:spPr>
-        <p:txBody>
-          <a:bodyPr vert="horz" lIns="91440" tIns="45720" rIns="91440" bIns="45720" rtlCol="0" anchor="ctr">
-            <a:noAutofit/>
-          </a:bodyPr>
-          <a:lstStyle>
-            <a:lvl1pPr algn="ctr" defTabSz="914400" rtl="0" eaLnBrk="1" latinLnBrk="0" hangingPunct="1">
-              <a:spcBef>
-                <a:spcPct val="0"/>
-              </a:spcBef>
-              <a:buNone/>
-              <a:defRPr sz="4400" b="0" i="0" u="none" kern="1200">
-                <a:solidFill>
-                  <a:schemeClr val="tx1"/>
-                </a:solidFill>
-                <a:latin typeface="+mj-lt"/>
-                <a:ea typeface="+mj-ea"/>
-                <a:cs typeface="+mj-cs"/>
-              </a:defRPr>
-            </a:lvl1pPr>
-          </a:lstStyle>
-          <a:p>
-            <a:pPr algn="l"/>
-            <a:r>
-              <a:rPr lang="en-US" sz="2000" dirty="0"/>
-              <a:t>Conflicting ‘beer style’ and ‘expected taste’ can affect the sale of the beer, so we need to correct the classification</a:t>
-            </a:r>
-          </a:p>
-          <a:p>
-            <a:pPr algn="l"/>
-            <a:endParaRPr lang="en-US" sz="2000" dirty="0"/>
-          </a:p>
-          <a:p>
-            <a:pPr algn="l"/>
-            <a:r>
-              <a:rPr lang="en-US" sz="2000" dirty="0"/>
-              <a:t>119 beers are candidates for re-classification for Beer Style based on their Alcohol content and bitterness levels. </a:t>
-            </a:r>
-          </a:p>
-          <a:p>
-            <a:endParaRPr lang="en-US" sz="2000" dirty="0"/>
-          </a:p>
-          <a:p>
-            <a:endParaRPr lang="en-US" sz="2000" dirty="0"/>
-          </a:p>
-          <a:p>
-            <a:endParaRPr lang="en-US" sz="2000" dirty="0"/>
+              <a:rPr lang="en-US" sz="3600" dirty="0"/>
+              <a:t>An example of Beer Category Conflicts </a:t>
+            </a:r>
           </a:p>
         </p:txBody>
       </p:sp>
       <p:pic>
         <p:nvPicPr>
-          <p:cNvPr id="6" name="Picture 5">
-            <a:extLst>
-              <a:ext uri="{FF2B5EF4-FFF2-40B4-BE49-F238E27FC236}">
-                <a16:creationId xmlns:a16="http://schemas.microsoft.com/office/drawing/2014/main" id="{F1D219A4-D502-45D0-9956-99D35C6DE7D5}"/>
+          <p:cNvPr id="2" name="Picture 1">
+            <a:extLst>
+              <a:ext uri="{FF2B5EF4-FFF2-40B4-BE49-F238E27FC236}">
+                <a16:creationId xmlns:a16="http://schemas.microsoft.com/office/drawing/2014/main" id="{7B21ECBE-B15F-4366-AFC1-7B549B466B97}"/>
               </a:ext>
             </a:extLst>
           </p:cNvPr>
@@ -6621,6 +6494,36 @@
         </p:blipFill>
         <p:spPr>
           <a:xfrm>
+            <a:off x="1357745" y="1291472"/>
+            <a:ext cx="5865091" cy="4876218"/>
+          </a:xfrm>
+          <a:prstGeom prst="rect">
+            <a:avLst/>
+          </a:prstGeom>
+        </p:spPr>
+      </p:pic>
+      <p:pic>
+        <p:nvPicPr>
+          <p:cNvPr id="8" name="Picture 7">
+            <a:extLst>
+              <a:ext uri="{FF2B5EF4-FFF2-40B4-BE49-F238E27FC236}">
+                <a16:creationId xmlns:a16="http://schemas.microsoft.com/office/drawing/2014/main" id="{27906546-1EB4-4192-A2A2-853EFEFBAE17}"/>
+              </a:ext>
+            </a:extLst>
+          </p:cNvPr>
+          <p:cNvPicPr>
+            <a:picLocks noChangeAspect="1"/>
+          </p:cNvPicPr>
+          <p:nvPr/>
+        </p:nvPicPr>
+        <p:blipFill>
+          <a:blip r:embed="rId4"/>
+          <a:stretch>
+            <a:fillRect/>
+          </a:stretch>
+        </p:blipFill>
+        <p:spPr>
+          <a:xfrm>
             <a:off x="7222836" y="6266262"/>
             <a:ext cx="1921164" cy="485521"/>
           </a:xfrm>
@@ -6632,7 +6535,7 @@
     </p:spTree>
     <p:extLst>
       <p:ext uri="{BB962C8B-B14F-4D97-AF65-F5344CB8AC3E}">
-        <p14:creationId xmlns:p14="http://schemas.microsoft.com/office/powerpoint/2010/main" val="3223504351"/>
+        <p14:creationId xmlns:p14="http://schemas.microsoft.com/office/powerpoint/2010/main" val="298467463"/>
       </p:ext>
     </p:extLst>
   </p:cSld>
@@ -6659,10 +6562,167 @@
           <a:chExt cx="0" cy="0"/>
         </a:xfrm>
       </p:grpSpPr>
+      <p:sp>
+        <p:nvSpPr>
+          <p:cNvPr id="4" name="Title 1">
+            <a:extLst>
+              <a:ext uri="{FF2B5EF4-FFF2-40B4-BE49-F238E27FC236}">
+                <a16:creationId xmlns:a16="http://schemas.microsoft.com/office/drawing/2014/main" id="{47A76BE6-BE87-4E77-ABE5-76D25E363585}"/>
+              </a:ext>
+            </a:extLst>
+          </p:cNvPr>
+          <p:cNvSpPr txBox="1">
+            <a:spLocks/>
+          </p:cNvSpPr>
+          <p:nvPr/>
+        </p:nvSpPr>
+        <p:spPr>
+          <a:xfrm>
+            <a:off x="267856" y="681398"/>
+            <a:ext cx="8229600" cy="521421"/>
+          </a:xfrm>
+          <a:prstGeom prst="rect">
+            <a:avLst/>
+          </a:prstGeom>
+        </p:spPr>
+        <p:txBody>
+          <a:bodyPr vert="horz" lIns="91440" tIns="45720" rIns="91440" bIns="45720" rtlCol="0" anchor="ctr">
+            <a:noAutofit/>
+          </a:bodyPr>
+          <a:lstStyle>
+            <a:lvl1pPr algn="ctr" defTabSz="914400" rtl="0" eaLnBrk="1" latinLnBrk="0" hangingPunct="1">
+              <a:spcBef>
+                <a:spcPct val="0"/>
+              </a:spcBef>
+              <a:buNone/>
+              <a:defRPr sz="4400" b="0" i="0" u="none" kern="1200">
+                <a:solidFill>
+                  <a:schemeClr val="tx1"/>
+                </a:solidFill>
+                <a:latin typeface="+mj-lt"/>
+                <a:ea typeface="+mj-ea"/>
+                <a:cs typeface="+mj-cs"/>
+              </a:defRPr>
+            </a:lvl1pPr>
+          </a:lstStyle>
+          <a:p>
+            <a:r>
+              <a:rPr lang="en-US" sz="3200" dirty="0"/>
+              <a:t>Take Away</a:t>
+            </a:r>
+            <a:r>
+              <a:rPr lang="en-US" sz="2000" dirty="0"/>
+              <a:t>	</a:t>
+            </a:r>
+          </a:p>
+        </p:txBody>
+      </p:sp>
+      <p:sp>
+        <p:nvSpPr>
+          <p:cNvPr id="5" name="Title 1">
+            <a:extLst>
+              <a:ext uri="{FF2B5EF4-FFF2-40B4-BE49-F238E27FC236}">
+                <a16:creationId xmlns:a16="http://schemas.microsoft.com/office/drawing/2014/main" id="{917D09F9-B5EC-4FAD-89D8-1B8E63FCC77B}"/>
+              </a:ext>
+            </a:extLst>
+          </p:cNvPr>
+          <p:cNvSpPr txBox="1">
+            <a:spLocks/>
+          </p:cNvSpPr>
+          <p:nvPr/>
+        </p:nvSpPr>
+        <p:spPr>
+          <a:xfrm>
+            <a:off x="341745" y="1308244"/>
+            <a:ext cx="8229600" cy="3132787"/>
+          </a:xfrm>
+          <a:prstGeom prst="rect">
+            <a:avLst/>
+          </a:prstGeom>
+        </p:spPr>
+        <p:txBody>
+          <a:bodyPr vert="horz" lIns="91440" tIns="45720" rIns="91440" bIns="45720" rtlCol="0" anchor="ctr">
+            <a:noAutofit/>
+          </a:bodyPr>
+          <a:lstStyle>
+            <a:lvl1pPr algn="ctr" defTabSz="914400" rtl="0" eaLnBrk="1" latinLnBrk="0" hangingPunct="1">
+              <a:spcBef>
+                <a:spcPct val="0"/>
+              </a:spcBef>
+              <a:buNone/>
+              <a:defRPr sz="4400" b="0" i="0" u="none" kern="1200">
+                <a:solidFill>
+                  <a:schemeClr val="tx1"/>
+                </a:solidFill>
+                <a:latin typeface="+mj-lt"/>
+                <a:ea typeface="+mj-ea"/>
+                <a:cs typeface="+mj-cs"/>
+              </a:defRPr>
+            </a:lvl1pPr>
+          </a:lstStyle>
+          <a:p>
+            <a:pPr algn="l"/>
+            <a:r>
+              <a:rPr lang="en-US" sz="2000" dirty="0"/>
+              <a:t>Conflicting ‘beer style’ and ‘expected taste’ can affect the sale of the beer, so we need to correct the classification</a:t>
+            </a:r>
+          </a:p>
+          <a:p>
+            <a:pPr algn="l"/>
+            <a:endParaRPr lang="en-US" sz="2000" dirty="0"/>
+          </a:p>
+          <a:p>
+            <a:pPr algn="l"/>
+            <a:r>
+              <a:rPr lang="en-US" sz="2000" dirty="0"/>
+              <a:t>119 beers are candidates for re-classification for Beer Style based on their Alcohol content and bitterness levels. </a:t>
+            </a:r>
+          </a:p>
+          <a:p>
+            <a:endParaRPr lang="en-US" sz="2000" dirty="0"/>
+          </a:p>
+          <a:p>
+            <a:endParaRPr lang="en-US" sz="2000" dirty="0"/>
+          </a:p>
+          <a:p>
+            <a:endParaRPr lang="en-US" sz="2000" dirty="0"/>
+          </a:p>
+        </p:txBody>
+      </p:sp>
+      <p:pic>
+        <p:nvPicPr>
+          <p:cNvPr id="6" name="Picture 5">
+            <a:extLst>
+              <a:ext uri="{FF2B5EF4-FFF2-40B4-BE49-F238E27FC236}">
+                <a16:creationId xmlns:a16="http://schemas.microsoft.com/office/drawing/2014/main" id="{F1D219A4-D502-45D0-9956-99D35C6DE7D5}"/>
+              </a:ext>
+            </a:extLst>
+          </p:cNvPr>
+          <p:cNvPicPr>
+            <a:picLocks noChangeAspect="1"/>
+          </p:cNvPicPr>
+          <p:nvPr/>
+        </p:nvPicPr>
+        <p:blipFill>
+          <a:blip r:embed="rId3"/>
+          <a:stretch>
+            <a:fillRect/>
+          </a:stretch>
+        </p:blipFill>
+        <p:spPr>
+          <a:xfrm>
+            <a:off x="7222836" y="6266262"/>
+            <a:ext cx="1921164" cy="485521"/>
+          </a:xfrm>
+          <a:prstGeom prst="rect">
+            <a:avLst/>
+          </a:prstGeom>
+        </p:spPr>
+      </p:pic>
     </p:spTree>
     <p:extLst>
       <p:ext uri="{BB962C8B-B14F-4D97-AF65-F5344CB8AC3E}">
-        <p14:creationId xmlns:p14="http://schemas.microsoft.com/office/powerpoint/2010/main" val="876298325"/>
+        <p14:creationId xmlns:p14="http://schemas.microsoft.com/office/powerpoint/2010/main" val="3223504351"/>
       </p:ext>
     </p:extLst>
   </p:cSld>
@@ -7000,6 +7060,36 @@
     <p:extLst>
       <p:ext uri="{BB962C8B-B14F-4D97-AF65-F5344CB8AC3E}">
         <p14:creationId xmlns:p14="http://schemas.microsoft.com/office/powerpoint/2010/main" val="331038888"/>
+      </p:ext>
+    </p:extLst>
+  </p:cSld>
+  <p:clrMapOvr>
+    <a:masterClrMapping/>
+  </p:clrMapOvr>
+</p:sld>
+</file>
+
+<file path=ppt/slides/slide30.xml><?xml version="1.0" encoding="utf-8"?>
+<p:sld xmlns:a="http://schemas.openxmlformats.org/drawingml/2006/main" xmlns:r="http://schemas.openxmlformats.org/officeDocument/2006/relationships" xmlns:p="http://schemas.openxmlformats.org/presentationml/2006/main">
+  <p:cSld>
+    <p:spTree>
+      <p:nvGrpSpPr>
+        <p:cNvPr id="1" name=""/>
+        <p:cNvGrpSpPr/>
+        <p:nvPr/>
+      </p:nvGrpSpPr>
+      <p:grpSpPr>
+        <a:xfrm>
+          <a:off x="0" y="0"/>
+          <a:ext cx="0" cy="0"/>
+          <a:chOff x="0" y="0"/>
+          <a:chExt cx="0" cy="0"/>
+        </a:xfrm>
+      </p:grpSpPr>
+    </p:spTree>
+    <p:extLst>
+      <p:ext uri="{BB962C8B-B14F-4D97-AF65-F5344CB8AC3E}">
+        <p14:creationId xmlns:p14="http://schemas.microsoft.com/office/powerpoint/2010/main" val="876298325"/>
       </p:ext>
     </p:extLst>
   </p:cSld>
